--- a/项目计划(第一次答辩)/SE2018春-G02-项目介绍.pptx
+++ b/项目计划(第一次答辩)/SE2018春-G02-项目介绍.pptx
@@ -5,7 +5,7 @@
     <p:sldMasterId id="2147483648" r:id="rId1"/>
   </p:sldMasterIdLst>
   <p:notesMasterIdLst>
-    <p:notesMasterId r:id="rId25"/>
+    <p:notesMasterId r:id="rId26"/>
   </p:notesMasterIdLst>
   <p:sldIdLst>
     <p:sldId id="268" r:id="rId2"/>
@@ -25,12 +25,13 @@
     <p:sldId id="326" r:id="rId16"/>
     <p:sldId id="327" r:id="rId17"/>
     <p:sldId id="297" r:id="rId18"/>
-    <p:sldId id="337" r:id="rId19"/>
-    <p:sldId id="329" r:id="rId20"/>
-    <p:sldId id="290" r:id="rId21"/>
-    <p:sldId id="334" r:id="rId22"/>
-    <p:sldId id="335" r:id="rId23"/>
-    <p:sldId id="295" r:id="rId24"/>
+    <p:sldId id="338" r:id="rId19"/>
+    <p:sldId id="337" r:id="rId20"/>
+    <p:sldId id="329" r:id="rId21"/>
+    <p:sldId id="290" r:id="rId22"/>
+    <p:sldId id="334" r:id="rId23"/>
+    <p:sldId id="335" r:id="rId24"/>
+    <p:sldId id="295" r:id="rId25"/>
   </p:sldIdLst>
   <p:sldSz cx="12192000" cy="6858000"/>
   <p:notesSz cx="6858000" cy="9144000"/>
@@ -284,7 +285,7 @@
             </a:pPr>
             <a:fld id="{B8438761-15D0-4576-8FDD-89C3D83A51A8}" type="datetimeFigureOut">
               <a:rPr lang="zh-CN" altLang="en-US"/>
-              <a:t>2018/3/29</a:t>
+              <a:t>2018/3/31</a:t>
             </a:fld>
             <a:endParaRPr lang="zh-CN" altLang="en-US"/>
           </a:p>
@@ -1722,7 +1723,7 @@
     </p:spTree>
     <p:extLst>
       <p:ext uri="{BB962C8B-B14F-4D97-AF65-F5344CB8AC3E}">
-        <p14:creationId xmlns:p14="http://schemas.microsoft.com/office/powerpoint/2010/main" val="791842253"/>
+        <p14:creationId xmlns:p14="http://schemas.microsoft.com/office/powerpoint/2010/main" val="527686107"/>
       </p:ext>
     </p:extLst>
   </p:cSld>
@@ -1751,7 +1752,7 @@
       </p:grpSpPr>
       <p:sp>
         <p:nvSpPr>
-          <p:cNvPr id="23553" name="幻灯片图像占位符 1"/>
+          <p:cNvPr id="35841" name="幻灯片图像占位符 1"/>
           <p:cNvSpPr>
             <a:spLocks noGrp="1" noRot="1" noChangeAspect="1"/>
           </p:cNvSpPr>
@@ -1771,7 +1772,7 @@
       </p:sp>
       <p:sp>
         <p:nvSpPr>
-          <p:cNvPr id="23554" name="备注占位符 2"/>
+          <p:cNvPr id="35842" name="备注占位符 2"/>
           <p:cNvSpPr>
             <a:spLocks noGrp="1"/>
           </p:cNvSpPr>
@@ -1797,7 +1798,7 @@
       </p:sp>
       <p:sp>
         <p:nvSpPr>
-          <p:cNvPr id="21507" name="灯片编号占位符 3"/>
+          <p:cNvPr id="33795" name="灯片编号占位符 3"/>
           <p:cNvSpPr>
             <a:spLocks noGrp="1"/>
           </p:cNvSpPr>
@@ -1823,7 +1824,7 @@
               </a:spcAft>
               <a:defRPr/>
             </a:pPr>
-            <a:fld id="{8F5EF445-A926-4ED5-A41B-1E39E4060EF9}" type="slidenum">
+            <a:fld id="{BFECA703-FEE2-4628-BDA2-7A8C4EEAD34C}" type="slidenum">
               <a:rPr lang="zh-CN" altLang="en-US"/>
               <a:t>19</a:t>
             </a:fld>
@@ -1834,7 +1835,7 @@
     </p:spTree>
     <p:extLst>
       <p:ext uri="{BB962C8B-B14F-4D97-AF65-F5344CB8AC3E}">
-        <p14:creationId xmlns:p14="http://schemas.microsoft.com/office/powerpoint/2010/main" val="536585712"/>
+        <p14:creationId xmlns:p14="http://schemas.microsoft.com/office/powerpoint/2010/main" val="791842253"/>
       </p:ext>
     </p:extLst>
   </p:cSld>
@@ -1980,6 +1981,118 @@
       </p:grpSpPr>
       <p:sp>
         <p:nvSpPr>
+          <p:cNvPr id="23553" name="幻灯片图像占位符 1"/>
+          <p:cNvSpPr>
+            <a:spLocks noGrp="1" noRot="1" noChangeAspect="1"/>
+          </p:cNvSpPr>
+          <p:nvPr>
+            <p:ph type="sldImg"/>
+          </p:nvPr>
+        </p:nvSpPr>
+        <p:spPr bwMode="auto">
+          <a:noFill/>
+          <a:ln>
+            <a:solidFill>
+              <a:srgbClr val="000000"/>
+            </a:solidFill>
+            <a:miter lim="800000"/>
+          </a:ln>
+        </p:spPr>
+      </p:sp>
+      <p:sp>
+        <p:nvSpPr>
+          <p:cNvPr id="23554" name="备注占位符 2"/>
+          <p:cNvSpPr>
+            <a:spLocks noGrp="1"/>
+          </p:cNvSpPr>
+          <p:nvPr>
+            <p:ph type="body" idx="1"/>
+          </p:nvPr>
+        </p:nvSpPr>
+        <p:spPr bwMode="auto">
+          <a:noFill/>
+        </p:spPr>
+        <p:txBody>
+          <a:bodyPr wrap="square" numCol="1" anchor="t" anchorCtr="0" compatLnSpc="1"/>
+          <a:lstStyle/>
+          <a:p>
+            <a:pPr eaLnBrk="1" hangingPunct="1">
+              <a:spcBef>
+                <a:spcPct val="0"/>
+              </a:spcBef>
+            </a:pPr>
+            <a:endParaRPr lang="zh-CN" altLang="en-US" smtClean="0"/>
+          </a:p>
+        </p:txBody>
+      </p:sp>
+      <p:sp>
+        <p:nvSpPr>
+          <p:cNvPr id="21507" name="灯片编号占位符 3"/>
+          <p:cNvSpPr>
+            <a:spLocks noGrp="1"/>
+          </p:cNvSpPr>
+          <p:nvPr>
+            <p:ph type="sldNum" sz="quarter" idx="5"/>
+          </p:nvPr>
+        </p:nvSpPr>
+        <p:spPr bwMode="auto">
+          <a:ln>
+            <a:miter lim="800000"/>
+          </a:ln>
+        </p:spPr>
+        <p:txBody>
+          <a:bodyPr wrap="square" numCol="1" anchorCtr="0" compatLnSpc="1"/>
+          <a:lstStyle/>
+          <a:p>
+            <a:pPr fontAlgn="base">
+              <a:spcBef>
+                <a:spcPct val="0"/>
+              </a:spcBef>
+              <a:spcAft>
+                <a:spcPct val="0"/>
+              </a:spcAft>
+              <a:defRPr/>
+            </a:pPr>
+            <a:fld id="{8F5EF445-A926-4ED5-A41B-1E39E4060EF9}" type="slidenum">
+              <a:rPr lang="zh-CN" altLang="en-US"/>
+              <a:t>20</a:t>
+            </a:fld>
+            <a:endParaRPr lang="zh-CN" altLang="en-US"/>
+          </a:p>
+        </p:txBody>
+      </p:sp>
+    </p:spTree>
+    <p:extLst>
+      <p:ext uri="{BB962C8B-B14F-4D97-AF65-F5344CB8AC3E}">
+        <p14:creationId xmlns:p14="http://schemas.microsoft.com/office/powerpoint/2010/main" val="536585712"/>
+      </p:ext>
+    </p:extLst>
+  </p:cSld>
+  <p:clrMapOvr>
+    <a:masterClrMapping/>
+  </p:clrMapOvr>
+</p:notes>
+</file>
+
+<file path=ppt/notesSlides/notesSlide21.xml><?xml version="1.0" encoding="utf-8"?>
+<p:notes xmlns:a="http://schemas.openxmlformats.org/drawingml/2006/main" xmlns:r="http://schemas.openxmlformats.org/officeDocument/2006/relationships" xmlns:p="http://schemas.openxmlformats.org/presentationml/2006/main">
+  <p:cSld>
+    <p:spTree>
+      <p:nvGrpSpPr>
+        <p:cNvPr id="1" name=""/>
+        <p:cNvGrpSpPr/>
+        <p:nvPr/>
+      </p:nvGrpSpPr>
+      <p:grpSpPr>
+        <a:xfrm>
+          <a:off x="0" y="0"/>
+          <a:ext cx="0" cy="0"/>
+          <a:chOff x="0" y="0"/>
+          <a:chExt cx="0" cy="0"/>
+        </a:xfrm>
+      </p:grpSpPr>
+      <p:sp>
+        <p:nvSpPr>
           <p:cNvPr id="39937" name="幻灯片图像占位符 1"/>
           <p:cNvSpPr>
             <a:spLocks noGrp="1" noRot="1" noChangeAspect="1"/>
@@ -2054,7 +2167,7 @@
             </a:pPr>
             <a:fld id="{6B376294-85AA-4022-ABD6-0E868179BD21}" type="slidenum">
               <a:rPr lang="zh-CN" altLang="en-US"/>
-              <a:t>20</a:t>
+              <a:t>21</a:t>
             </a:fld>
             <a:endParaRPr lang="zh-CN" altLang="en-US"/>
           </a:p>
@@ -2064,118 +2177,6 @@
     <p:extLst>
       <p:ext uri="{BB962C8B-B14F-4D97-AF65-F5344CB8AC3E}">
         <p14:creationId xmlns:p14="http://schemas.microsoft.com/office/powerpoint/2010/main" val="1112227831"/>
-      </p:ext>
-    </p:extLst>
-  </p:cSld>
-  <p:clrMapOvr>
-    <a:masterClrMapping/>
-  </p:clrMapOvr>
-</p:notes>
-</file>
-
-<file path=ppt/notesSlides/notesSlide21.xml><?xml version="1.0" encoding="utf-8"?>
-<p:notes xmlns:a="http://schemas.openxmlformats.org/drawingml/2006/main" xmlns:r="http://schemas.openxmlformats.org/officeDocument/2006/relationships" xmlns:p="http://schemas.openxmlformats.org/presentationml/2006/main">
-  <p:cSld>
-    <p:spTree>
-      <p:nvGrpSpPr>
-        <p:cNvPr id="1" name=""/>
-        <p:cNvGrpSpPr/>
-        <p:nvPr/>
-      </p:nvGrpSpPr>
-      <p:grpSpPr>
-        <a:xfrm>
-          <a:off x="0" y="0"/>
-          <a:ext cx="0" cy="0"/>
-          <a:chOff x="0" y="0"/>
-          <a:chExt cx="0" cy="0"/>
-        </a:xfrm>
-      </p:grpSpPr>
-      <p:sp>
-        <p:nvSpPr>
-          <p:cNvPr id="23553" name="幻灯片图像占位符 1"/>
-          <p:cNvSpPr>
-            <a:spLocks noGrp="1" noRot="1" noChangeAspect="1"/>
-          </p:cNvSpPr>
-          <p:nvPr>
-            <p:ph type="sldImg"/>
-          </p:nvPr>
-        </p:nvSpPr>
-        <p:spPr bwMode="auto">
-          <a:noFill/>
-          <a:ln>
-            <a:solidFill>
-              <a:srgbClr val="000000"/>
-            </a:solidFill>
-            <a:miter lim="800000"/>
-          </a:ln>
-        </p:spPr>
-      </p:sp>
-      <p:sp>
-        <p:nvSpPr>
-          <p:cNvPr id="23554" name="备注占位符 2"/>
-          <p:cNvSpPr>
-            <a:spLocks noGrp="1"/>
-          </p:cNvSpPr>
-          <p:nvPr>
-            <p:ph type="body" idx="1"/>
-          </p:nvPr>
-        </p:nvSpPr>
-        <p:spPr bwMode="auto">
-          <a:noFill/>
-        </p:spPr>
-        <p:txBody>
-          <a:bodyPr wrap="square" numCol="1" anchor="t" anchorCtr="0" compatLnSpc="1"/>
-          <a:lstStyle/>
-          <a:p>
-            <a:pPr eaLnBrk="1" hangingPunct="1">
-              <a:spcBef>
-                <a:spcPct val="0"/>
-              </a:spcBef>
-            </a:pPr>
-            <a:endParaRPr lang="zh-CN" altLang="en-US" smtClean="0"/>
-          </a:p>
-        </p:txBody>
-      </p:sp>
-      <p:sp>
-        <p:nvSpPr>
-          <p:cNvPr id="21507" name="灯片编号占位符 3"/>
-          <p:cNvSpPr>
-            <a:spLocks noGrp="1"/>
-          </p:cNvSpPr>
-          <p:nvPr>
-            <p:ph type="sldNum" sz="quarter" idx="5"/>
-          </p:nvPr>
-        </p:nvSpPr>
-        <p:spPr bwMode="auto">
-          <a:ln>
-            <a:miter lim="800000"/>
-          </a:ln>
-        </p:spPr>
-        <p:txBody>
-          <a:bodyPr wrap="square" numCol="1" anchorCtr="0" compatLnSpc="1"/>
-          <a:lstStyle/>
-          <a:p>
-            <a:pPr fontAlgn="base">
-              <a:spcBef>
-                <a:spcPct val="0"/>
-              </a:spcBef>
-              <a:spcAft>
-                <a:spcPct val="0"/>
-              </a:spcAft>
-              <a:defRPr/>
-            </a:pPr>
-            <a:fld id="{8F5EF445-A926-4ED5-A41B-1E39E4060EF9}" type="slidenum">
-              <a:rPr lang="zh-CN" altLang="en-US"/>
-              <a:t>21</a:t>
-            </a:fld>
-            <a:endParaRPr lang="zh-CN" altLang="en-US"/>
-          </a:p>
-        </p:txBody>
-      </p:sp>
-    </p:spTree>
-    <p:extLst>
-      <p:ext uri="{BB962C8B-B14F-4D97-AF65-F5344CB8AC3E}">
-        <p14:creationId xmlns:p14="http://schemas.microsoft.com/office/powerpoint/2010/main" val="1515492129"/>
       </p:ext>
     </p:extLst>
   </p:cSld>
@@ -2287,6 +2288,118 @@
     </p:spTree>
     <p:extLst>
       <p:ext uri="{BB962C8B-B14F-4D97-AF65-F5344CB8AC3E}">
+        <p14:creationId xmlns:p14="http://schemas.microsoft.com/office/powerpoint/2010/main" val="1515492129"/>
+      </p:ext>
+    </p:extLst>
+  </p:cSld>
+  <p:clrMapOvr>
+    <a:masterClrMapping/>
+  </p:clrMapOvr>
+</p:notes>
+</file>
+
+<file path=ppt/notesSlides/notesSlide23.xml><?xml version="1.0" encoding="utf-8"?>
+<p:notes xmlns:a="http://schemas.openxmlformats.org/drawingml/2006/main" xmlns:r="http://schemas.openxmlformats.org/officeDocument/2006/relationships" xmlns:p="http://schemas.openxmlformats.org/presentationml/2006/main">
+  <p:cSld>
+    <p:spTree>
+      <p:nvGrpSpPr>
+        <p:cNvPr id="1" name=""/>
+        <p:cNvGrpSpPr/>
+        <p:nvPr/>
+      </p:nvGrpSpPr>
+      <p:grpSpPr>
+        <a:xfrm>
+          <a:off x="0" y="0"/>
+          <a:ext cx="0" cy="0"/>
+          <a:chOff x="0" y="0"/>
+          <a:chExt cx="0" cy="0"/>
+        </a:xfrm>
+      </p:grpSpPr>
+      <p:sp>
+        <p:nvSpPr>
+          <p:cNvPr id="23553" name="幻灯片图像占位符 1"/>
+          <p:cNvSpPr>
+            <a:spLocks noGrp="1" noRot="1" noChangeAspect="1"/>
+          </p:cNvSpPr>
+          <p:nvPr>
+            <p:ph type="sldImg"/>
+          </p:nvPr>
+        </p:nvSpPr>
+        <p:spPr bwMode="auto">
+          <a:noFill/>
+          <a:ln>
+            <a:solidFill>
+              <a:srgbClr val="000000"/>
+            </a:solidFill>
+            <a:miter lim="800000"/>
+          </a:ln>
+        </p:spPr>
+      </p:sp>
+      <p:sp>
+        <p:nvSpPr>
+          <p:cNvPr id="23554" name="备注占位符 2"/>
+          <p:cNvSpPr>
+            <a:spLocks noGrp="1"/>
+          </p:cNvSpPr>
+          <p:nvPr>
+            <p:ph type="body" idx="1"/>
+          </p:nvPr>
+        </p:nvSpPr>
+        <p:spPr bwMode="auto">
+          <a:noFill/>
+        </p:spPr>
+        <p:txBody>
+          <a:bodyPr wrap="square" numCol="1" anchor="t" anchorCtr="0" compatLnSpc="1"/>
+          <a:lstStyle/>
+          <a:p>
+            <a:pPr eaLnBrk="1" hangingPunct="1">
+              <a:spcBef>
+                <a:spcPct val="0"/>
+              </a:spcBef>
+            </a:pPr>
+            <a:endParaRPr lang="zh-CN" altLang="en-US" smtClean="0"/>
+          </a:p>
+        </p:txBody>
+      </p:sp>
+      <p:sp>
+        <p:nvSpPr>
+          <p:cNvPr id="21507" name="灯片编号占位符 3"/>
+          <p:cNvSpPr>
+            <a:spLocks noGrp="1"/>
+          </p:cNvSpPr>
+          <p:nvPr>
+            <p:ph type="sldNum" sz="quarter" idx="5"/>
+          </p:nvPr>
+        </p:nvSpPr>
+        <p:spPr bwMode="auto">
+          <a:ln>
+            <a:miter lim="800000"/>
+          </a:ln>
+        </p:spPr>
+        <p:txBody>
+          <a:bodyPr wrap="square" numCol="1" anchorCtr="0" compatLnSpc="1"/>
+          <a:lstStyle/>
+          <a:p>
+            <a:pPr fontAlgn="base">
+              <a:spcBef>
+                <a:spcPct val="0"/>
+              </a:spcBef>
+              <a:spcAft>
+                <a:spcPct val="0"/>
+              </a:spcAft>
+              <a:defRPr/>
+            </a:pPr>
+            <a:fld id="{8F5EF445-A926-4ED5-A41B-1E39E4060EF9}" type="slidenum">
+              <a:rPr lang="zh-CN" altLang="en-US"/>
+              <a:t>23</a:t>
+            </a:fld>
+            <a:endParaRPr lang="zh-CN" altLang="en-US"/>
+          </a:p>
+        </p:txBody>
+      </p:sp>
+    </p:spTree>
+    <p:extLst>
+      <p:ext uri="{BB962C8B-B14F-4D97-AF65-F5344CB8AC3E}">
         <p14:creationId xmlns:p14="http://schemas.microsoft.com/office/powerpoint/2010/main" val="1720158683"/>
       </p:ext>
     </p:extLst>
@@ -2297,7 +2410,7 @@
 </p:notes>
 </file>
 
-<file path=ppt/notesSlides/notesSlide23.xml><?xml version="1.0" encoding="utf-8"?>
+<file path=ppt/notesSlides/notesSlide24.xml><?xml version="1.0" encoding="utf-8"?>
 <p:notes xmlns:a="http://schemas.openxmlformats.org/drawingml/2006/main" xmlns:r="http://schemas.openxmlformats.org/officeDocument/2006/relationships" xmlns:p="http://schemas.openxmlformats.org/presentationml/2006/main">
   <p:cSld>
     <p:spTree>
@@ -2390,7 +2503,7 @@
             </a:pPr>
             <a:fld id="{62E48317-606F-4AAF-BD9B-2E6C61D1603F}" type="slidenum">
               <a:rPr lang="zh-CN" altLang="en-US"/>
-              <a:t>23</a:t>
+              <a:t>24</a:t>
             </a:fld>
             <a:endParaRPr lang="zh-CN" altLang="en-US"/>
           </a:p>
@@ -4972,7 +5085,7 @@
             </a:pPr>
             <a:fld id="{0DF1A11C-A054-45E8-9E20-F6401745FF26}" type="datetimeFigureOut">
               <a:rPr lang="zh-CN" altLang="en-US"/>
-              <a:t>2018/3/29</a:t>
+              <a:t>2018/3/31</a:t>
             </a:fld>
             <a:endParaRPr lang="zh-CN" altLang="en-US"/>
           </a:p>
@@ -5166,7 +5279,7 @@
             </a:pPr>
             <a:fld id="{77E0D8EB-2EC1-4EDE-9506-33C7F6CBCBFA}" type="datetimeFigureOut">
               <a:rPr lang="zh-CN" altLang="en-US"/>
-              <a:t>2018/3/29</a:t>
+              <a:t>2018/3/31</a:t>
             </a:fld>
             <a:endParaRPr lang="zh-CN" altLang="en-US"/>
           </a:p>
@@ -5350,7 +5463,7 @@
             </a:pPr>
             <a:fld id="{A0EACF24-D44A-4A29-B3D3-DF3CC4BF4285}" type="datetimeFigureOut">
               <a:rPr lang="zh-CN" altLang="en-US"/>
-              <a:t>2018/3/29</a:t>
+              <a:t>2018/3/31</a:t>
             </a:fld>
             <a:endParaRPr lang="zh-CN" altLang="en-US"/>
           </a:p>
@@ -5611,7 +5724,7 @@
             </a:pPr>
             <a:fld id="{A2D2383A-C2DD-4B06-B5B3-CADE7E1C632D}" type="datetimeFigureOut">
               <a:rPr lang="zh-CN" altLang="en-US"/>
-              <a:t>2018/3/29</a:t>
+              <a:t>2018/3/31</a:t>
             </a:fld>
             <a:endParaRPr lang="zh-CN" altLang="en-US"/>
           </a:p>
@@ -5856,7 +5969,7 @@
             </a:pPr>
             <a:fld id="{22DF5321-8223-471F-B1DB-DB64E73F75F0}" type="datetimeFigureOut">
               <a:rPr lang="zh-CN" altLang="en-US"/>
-              <a:t>2018/3/29</a:t>
+              <a:t>2018/3/31</a:t>
             </a:fld>
             <a:endParaRPr lang="zh-CN" altLang="en-US"/>
           </a:p>
@@ -6236,7 +6349,7 @@
             </a:pPr>
             <a:fld id="{72D712D7-CDC8-49CD-A4C4-D42699909244}" type="datetimeFigureOut">
               <a:rPr lang="zh-CN" altLang="en-US"/>
-              <a:t>2018/3/29</a:t>
+              <a:t>2018/3/31</a:t>
             </a:fld>
             <a:endParaRPr lang="zh-CN" altLang="en-US"/>
           </a:p>
@@ -6369,7 +6482,7 @@
             </a:pPr>
             <a:fld id="{AD1F6459-542D-42B9-8E19-C2340E44D67D}" type="datetimeFigureOut">
               <a:rPr lang="zh-CN" altLang="en-US"/>
-              <a:t>2018/3/29</a:t>
+              <a:t>2018/3/31</a:t>
             </a:fld>
             <a:endParaRPr lang="zh-CN" altLang="en-US"/>
           </a:p>
@@ -6480,7 +6593,7 @@
             </a:pPr>
             <a:fld id="{293ECE99-CE54-48B2-A6D1-17F72B3FF501}" type="datetimeFigureOut">
               <a:rPr lang="zh-CN" altLang="en-US"/>
-              <a:t>2018/3/29</a:t>
+              <a:t>2018/3/31</a:t>
             </a:fld>
             <a:endParaRPr lang="zh-CN" altLang="en-US"/>
           </a:p>
@@ -6771,7 +6884,7 @@
             </a:pPr>
             <a:fld id="{1DE85EC0-FB6A-4D7D-962A-174FFE506AF8}" type="datetimeFigureOut">
               <a:rPr lang="zh-CN" altLang="en-US"/>
-              <a:t>2018/3/29</a:t>
+              <a:t>2018/3/31</a:t>
             </a:fld>
             <a:endParaRPr lang="zh-CN" altLang="en-US"/>
           </a:p>
@@ -7042,7 +7155,7 @@
             </a:pPr>
             <a:fld id="{6642D958-540F-438F-A281-FD656310C52C}" type="datetimeFigureOut">
               <a:rPr lang="zh-CN" altLang="en-US"/>
-              <a:t>2018/3/29</a:t>
+              <a:t>2018/3/31</a:t>
             </a:fld>
             <a:endParaRPr lang="zh-CN" altLang="en-US"/>
           </a:p>
@@ -7280,7 +7393,7 @@
             </a:pPr>
             <a:fld id="{61AE987B-5CCC-4D98-81F1-14B5B619FD0D}" type="datetimeFigureOut">
               <a:rPr lang="zh-CN" altLang="en-US"/>
-              <a:t>2018/3/29</a:t>
+              <a:t>2018/3/31</a:t>
             </a:fld>
             <a:endParaRPr lang="zh-CN" altLang="en-US"/>
           </a:p>
@@ -18277,7 +18390,7 @@
         <p:spPr>
           <a:xfrm>
             <a:off x="263525" y="0"/>
-            <a:ext cx="1666240" cy="737235"/>
+            <a:ext cx="2334895" cy="737235"/>
           </a:xfrm>
           <a:prstGeom prst="rect">
             <a:avLst/>
@@ -18303,21 +18416,38 @@
               <a:defRPr/>
             </a:pPr>
             <a:r>
-              <a:rPr lang="zh-CN" altLang="en-US" sz="2800" spc="120" dirty="0">
+              <a:rPr lang="en-US" altLang="zh-CN" sz="2800" spc="120" dirty="0">
                 <a:solidFill>
                   <a:srgbClr val="FFFFFF"/>
                 </a:solidFill>
                 <a:latin typeface="微软雅黑" panose="020B0503020204020204" pitchFamily="34" charset="-122"/>
                 <a:ea typeface="微软雅黑" panose="020B0503020204020204" pitchFamily="34" charset="-122"/>
               </a:rPr>
-              <a:t>版本控制</a:t>
+              <a:t>3.6 </a:t>
             </a:r>
+            <a:r>
+              <a:rPr lang="zh-CN" sz="2800" spc="120" dirty="0">
+                <a:solidFill>
+                  <a:srgbClr val="FFFFFF"/>
+                </a:solidFill>
+                <a:latin typeface="微软雅黑" panose="020B0503020204020204" pitchFamily="34" charset="-122"/>
+                <a:ea typeface="微软雅黑" panose="020B0503020204020204" pitchFamily="34" charset="-122"/>
+              </a:rPr>
+              <a:t>项目预算</a:t>
+            </a:r>
+            <a:endParaRPr lang="en-US" altLang="zh-CN" sz="2800" spc="120" dirty="0">
+              <a:solidFill>
+                <a:srgbClr val="FFFFFF"/>
+              </a:solidFill>
+              <a:latin typeface="微软雅黑" panose="020B0503020204020204" pitchFamily="34" charset="-122"/>
+              <a:ea typeface="微软雅黑" panose="020B0503020204020204" pitchFamily="34" charset="-122"/>
+            </a:endParaRPr>
           </a:p>
         </p:txBody>
       </p:sp>
       <p:pic>
         <p:nvPicPr>
-          <p:cNvPr id="2" name="图片 1"/>
+          <p:cNvPr id="35" name="图片 18" descr="IMG_256"/>
           <p:cNvPicPr>
             <a:picLocks noChangeAspect="1"/>
           </p:cNvPicPr>
@@ -18331,8 +18461,36 @@
         </p:blipFill>
         <p:spPr>
           <a:xfrm>
-            <a:off x="1110615" y="1073785"/>
-            <a:ext cx="9970770" cy="5313680"/>
+            <a:off x="550545" y="1673225"/>
+            <a:ext cx="11090275" cy="4265295"/>
+          </a:xfrm>
+          <a:prstGeom prst="rect">
+            <a:avLst/>
+          </a:prstGeom>
+          <a:noFill/>
+          <a:ln w="9525">
+            <a:noFill/>
+          </a:ln>
+        </p:spPr>
+      </p:pic>
+      <p:pic>
+        <p:nvPicPr>
+          <p:cNvPr id="2" name="图片 1" descr="TIM图片20180330150438"/>
+          <p:cNvPicPr>
+            <a:picLocks noChangeAspect="1"/>
+          </p:cNvPicPr>
+          <p:nvPr/>
+        </p:nvPicPr>
+        <p:blipFill>
+          <a:blip r:embed="rId4"/>
+          <a:stretch>
+            <a:fillRect/>
+          </a:stretch>
+        </p:blipFill>
+        <p:spPr>
+          <a:xfrm>
+            <a:off x="11116945" y="67310"/>
+            <a:ext cx="905510" cy="1015365"/>
           </a:xfrm>
           <a:prstGeom prst="rect">
             <a:avLst/>
@@ -18340,6 +18498,11 @@
         </p:spPr>
       </p:pic>
     </p:spTree>
+    <p:extLst>
+      <p:ext uri="{BB962C8B-B14F-4D97-AF65-F5344CB8AC3E}">
+        <p14:creationId xmlns:p14="http://schemas.microsoft.com/office/powerpoint/2010/main" val="433310212"/>
+      </p:ext>
+    </p:extLst>
   </p:cSld>
   <p:clrMapOvr>
     <a:masterClrMapping/>
@@ -18796,8 +18959,8 @@
         </p:nvSpPr>
         <p:spPr>
           <a:xfrm>
-            <a:off x="263525" y="71438"/>
-            <a:ext cx="2778760" cy="737235"/>
+            <a:off x="263525" y="0"/>
+            <a:ext cx="1666240" cy="737235"/>
           </a:xfrm>
           <a:prstGeom prst="rect">
             <a:avLst/>
@@ -18823,175 +18986,42 @@
               <a:defRPr/>
             </a:pPr>
             <a:r>
-              <a:rPr lang="zh-CN" sz="2800" spc="120" dirty="0">
+              <a:rPr lang="zh-CN" altLang="en-US" sz="2800" spc="120" dirty="0">
                 <a:solidFill>
                   <a:srgbClr val="FFFFFF"/>
                 </a:solidFill>
                 <a:latin typeface="微软雅黑" panose="020B0503020204020204" pitchFamily="34" charset="-122"/>
                 <a:ea typeface="微软雅黑" panose="020B0503020204020204" pitchFamily="34" charset="-122"/>
               </a:rPr>
-              <a:t>计算机系统支持</a:t>
+              <a:t>版本控制</a:t>
             </a:r>
           </a:p>
         </p:txBody>
       </p:sp>
-      <p:sp>
-        <p:nvSpPr>
-          <p:cNvPr id="78" name="文本框 77"/>
-          <p:cNvSpPr txBox="1"/>
+      <p:pic>
+        <p:nvPicPr>
+          <p:cNvPr id="2" name="图片 1"/>
+          <p:cNvPicPr>
+            <a:picLocks noChangeAspect="1"/>
+          </p:cNvPicPr>
           <p:nvPr/>
-        </p:nvSpPr>
+        </p:nvPicPr>
+        <p:blipFill>
+          <a:blip r:embed="rId3"/>
+          <a:stretch>
+            <a:fillRect/>
+          </a:stretch>
+        </p:blipFill>
         <p:spPr>
           <a:xfrm>
-            <a:off x="228600" y="1089660"/>
-            <a:ext cx="11734800" cy="5262245"/>
+            <a:off x="1110615" y="1073785"/>
+            <a:ext cx="9970770" cy="5313680"/>
           </a:xfrm>
           <a:prstGeom prst="rect">
             <a:avLst/>
           </a:prstGeom>
-          <a:noFill/>
         </p:spPr>
-        <p:txBody>
-          <a:bodyPr wrap="square" rtlCol="0">
-            <a:spAutoFit/>
-          </a:bodyPr>
-          <a:lstStyle/>
-          <a:p>
-            <a:r>
-              <a:rPr lang="zh-CN" altLang="en-US" sz="2400">
-                <a:latin typeface="华文仿宋" panose="02010600040101010101" charset="-122"/>
-                <a:ea typeface="华文仿宋" panose="02010600040101010101" charset="-122"/>
-                <a:cs typeface="华文仿宋" panose="02010600040101010101" charset="-122"/>
-              </a:rPr>
-              <a:t>1.Window、Mac 工作环境，Android手机，Windows 10 虚拟机工具使用环境。</a:t>
-            </a:r>
-          </a:p>
-          <a:p>
-            <a:endParaRPr lang="zh-CN" altLang="en-US" sz="2400">
-              <a:latin typeface="华文仿宋" panose="02010600040101010101" charset="-122"/>
-              <a:ea typeface="华文仿宋" panose="02010600040101010101" charset="-122"/>
-              <a:cs typeface="华文仿宋" panose="02010600040101010101" charset="-122"/>
-            </a:endParaRPr>
-          </a:p>
-          <a:p>
-            <a:r>
-              <a:rPr lang="zh-CN" altLang="en-US" sz="2400">
-                <a:latin typeface="华文仿宋" panose="02010600040101010101" charset="-122"/>
-                <a:ea typeface="华文仿宋" panose="02010600040101010101" charset="-122"/>
-                <a:cs typeface="华文仿宋" panose="02010600040101010101" charset="-122"/>
-              </a:rPr>
-              <a:t>2.Windows、Mac工作环境中要有:</a:t>
-            </a:r>
-          </a:p>
-          <a:p>
-            <a:r>
-              <a:rPr lang="zh-CN" altLang="en-US" sz="2400">
-                <a:latin typeface="华文仿宋" panose="02010600040101010101" charset="-122"/>
-                <a:ea typeface="华文仿宋" panose="02010600040101010101" charset="-122"/>
-                <a:cs typeface="华文仿宋" panose="02010600040101010101" charset="-122"/>
-              </a:rPr>
-              <a:t>①腾讯Tim文档实时编辑平台</a:t>
-            </a:r>
-          </a:p>
-          <a:p>
-            <a:r>
-              <a:rPr lang="zh-CN" altLang="en-US" sz="2400">
-                <a:latin typeface="华文仿宋" panose="02010600040101010101" charset="-122"/>
-                <a:ea typeface="华文仿宋" panose="02010600040101010101" charset="-122"/>
-                <a:cs typeface="华文仿宋" panose="02010600040101010101" charset="-122"/>
-              </a:rPr>
-              <a:t>②PhotoShop设计工具</a:t>
-            </a:r>
-          </a:p>
-          <a:p>
-            <a:r>
-              <a:rPr lang="zh-CN" altLang="en-US" sz="2400">
-                <a:latin typeface="华文仿宋" panose="02010600040101010101" charset="-122"/>
-                <a:ea typeface="华文仿宋" panose="02010600040101010101" charset="-122"/>
-                <a:cs typeface="华文仿宋" panose="02010600040101010101" charset="-122"/>
-              </a:rPr>
-              <a:t>③cocos2dx游戏引擎</a:t>
-            </a:r>
-          </a:p>
-          <a:p>
-            <a:r>
-              <a:rPr lang="zh-CN" altLang="en-US" sz="2400">
-                <a:latin typeface="华文仿宋" panose="02010600040101010101" charset="-122"/>
-                <a:ea typeface="华文仿宋" panose="02010600040101010101" charset="-122"/>
-                <a:cs typeface="华文仿宋" panose="02010600040101010101" charset="-122"/>
-              </a:rPr>
-              <a:t>④eclipse、IntellJ IDEA JAVA代码编辑环境</a:t>
-            </a:r>
-          </a:p>
-          <a:p>
-            <a:r>
-              <a:rPr lang="zh-CN" altLang="en-US" sz="2400">
-                <a:latin typeface="华文仿宋" panose="02010600040101010101" charset="-122"/>
-                <a:ea typeface="华文仿宋" panose="02010600040101010101" charset="-122"/>
-                <a:cs typeface="华文仿宋" panose="02010600040101010101" charset="-122"/>
-              </a:rPr>
-              <a:t>⑤本地数据库mysql与数据库客户端Data Grip	、MySQL Workbanch.</a:t>
-            </a:r>
-          </a:p>
-          <a:p>
-            <a:endParaRPr lang="zh-CN" altLang="en-US" sz="2400">
-              <a:latin typeface="华文仿宋" panose="02010600040101010101" charset="-122"/>
-              <a:ea typeface="华文仿宋" panose="02010600040101010101" charset="-122"/>
-              <a:cs typeface="华文仿宋" panose="02010600040101010101" charset="-122"/>
-            </a:endParaRPr>
-          </a:p>
-          <a:p>
-            <a:r>
-              <a:rPr lang="zh-CN" altLang="en-US" sz="2400">
-                <a:latin typeface="华文仿宋" panose="02010600040101010101" charset="-122"/>
-                <a:ea typeface="华文仿宋" panose="02010600040101010101" charset="-122"/>
-                <a:cs typeface="华文仿宋" panose="02010600040101010101" charset="-122"/>
-              </a:rPr>
-              <a:t>3.Windows 10虚拟机工具使用环境成员统一，应该包含：</a:t>
-            </a:r>
-          </a:p>
-          <a:p>
-            <a:r>
-              <a:rPr lang="zh-CN" altLang="en-US" sz="2400">
-                <a:latin typeface="华文仿宋" panose="02010600040101010101" charset="-122"/>
-                <a:ea typeface="华文仿宋" panose="02010600040101010101" charset="-122"/>
-                <a:cs typeface="华文仿宋" panose="02010600040101010101" charset="-122"/>
-              </a:rPr>
-              <a:t>①Micrsoft office 套件，包括Micrsoft Project。</a:t>
-            </a:r>
-          </a:p>
-          <a:p>
-            <a:r>
-              <a:rPr lang="zh-CN" altLang="en-US" sz="2400">
-                <a:latin typeface="华文仿宋" panose="02010600040101010101" charset="-122"/>
-                <a:ea typeface="华文仿宋" panose="02010600040101010101" charset="-122"/>
-                <a:cs typeface="华文仿宋" panose="02010600040101010101" charset="-122"/>
-              </a:rPr>
-              <a:t>②Git环境</a:t>
-            </a:r>
-          </a:p>
-          <a:p>
-            <a:r>
-              <a:rPr lang="zh-CN" altLang="en-US" sz="2400">
-                <a:latin typeface="华文仿宋" panose="02010600040101010101" charset="-122"/>
-                <a:ea typeface="华文仿宋" panose="02010600040101010101" charset="-122"/>
-                <a:cs typeface="华文仿宋" panose="02010600040101010101" charset="-122"/>
-              </a:rPr>
-              <a:t>③Axure RP</a:t>
-            </a:r>
-          </a:p>
-          <a:p>
-            <a:r>
-              <a:rPr lang="zh-CN" altLang="en-US" sz="2400">
-                <a:latin typeface="华文仿宋" panose="02010600040101010101" charset="-122"/>
-                <a:ea typeface="华文仿宋" panose="02010600040101010101" charset="-122"/>
-                <a:cs typeface="华文仿宋" panose="02010600040101010101" charset="-122"/>
-              </a:rPr>
-              <a:t>④Load runner</a:t>
-            </a:r>
-          </a:p>
-        </p:txBody>
-      </p:sp>
+      </p:pic>
     </p:spTree>
   </p:cSld>
   <p:clrMapOvr>
@@ -21875,6 +21905,659 @@
         <p:spPr>
           <a:xfrm>
             <a:off x="263525" y="71438"/>
+            <a:ext cx="2778760" cy="737235"/>
+          </a:xfrm>
+          <a:prstGeom prst="rect">
+            <a:avLst/>
+          </a:prstGeom>
+          <a:noFill/>
+        </p:spPr>
+        <p:txBody>
+          <a:bodyPr wrap="none">
+            <a:spAutoFit/>
+          </a:bodyPr>
+          <a:lstStyle/>
+          <a:p>
+            <a:pPr fontAlgn="auto">
+              <a:lnSpc>
+                <a:spcPct val="150000"/>
+              </a:lnSpc>
+              <a:spcBef>
+                <a:spcPts val="0"/>
+              </a:spcBef>
+              <a:spcAft>
+                <a:spcPts val="0"/>
+              </a:spcAft>
+              <a:defRPr/>
+            </a:pPr>
+            <a:r>
+              <a:rPr lang="zh-CN" sz="2800" spc="120" dirty="0">
+                <a:solidFill>
+                  <a:srgbClr val="FFFFFF"/>
+                </a:solidFill>
+                <a:latin typeface="微软雅黑" panose="020B0503020204020204" pitchFamily="34" charset="-122"/>
+                <a:ea typeface="微软雅黑" panose="020B0503020204020204" pitchFamily="34" charset="-122"/>
+              </a:rPr>
+              <a:t>计算机系统支持</a:t>
+            </a:r>
+          </a:p>
+        </p:txBody>
+      </p:sp>
+      <p:sp>
+        <p:nvSpPr>
+          <p:cNvPr id="78" name="文本框 77"/>
+          <p:cNvSpPr txBox="1"/>
+          <p:nvPr/>
+        </p:nvSpPr>
+        <p:spPr>
+          <a:xfrm>
+            <a:off x="228600" y="1089660"/>
+            <a:ext cx="11734800" cy="5262245"/>
+          </a:xfrm>
+          <a:prstGeom prst="rect">
+            <a:avLst/>
+          </a:prstGeom>
+          <a:noFill/>
+        </p:spPr>
+        <p:txBody>
+          <a:bodyPr wrap="square" rtlCol="0">
+            <a:spAutoFit/>
+          </a:bodyPr>
+          <a:lstStyle/>
+          <a:p>
+            <a:r>
+              <a:rPr lang="zh-CN" altLang="en-US" sz="2400">
+                <a:latin typeface="华文仿宋" panose="02010600040101010101" charset="-122"/>
+                <a:ea typeface="华文仿宋" panose="02010600040101010101" charset="-122"/>
+                <a:cs typeface="华文仿宋" panose="02010600040101010101" charset="-122"/>
+              </a:rPr>
+              <a:t>1.Window、Mac 工作环境，Android手机，Windows 10 虚拟机工具使用环境。</a:t>
+            </a:r>
+          </a:p>
+          <a:p>
+            <a:endParaRPr lang="zh-CN" altLang="en-US" sz="2400">
+              <a:latin typeface="华文仿宋" panose="02010600040101010101" charset="-122"/>
+              <a:ea typeface="华文仿宋" panose="02010600040101010101" charset="-122"/>
+              <a:cs typeface="华文仿宋" panose="02010600040101010101" charset="-122"/>
+            </a:endParaRPr>
+          </a:p>
+          <a:p>
+            <a:r>
+              <a:rPr lang="zh-CN" altLang="en-US" sz="2400">
+                <a:latin typeface="华文仿宋" panose="02010600040101010101" charset="-122"/>
+                <a:ea typeface="华文仿宋" panose="02010600040101010101" charset="-122"/>
+                <a:cs typeface="华文仿宋" panose="02010600040101010101" charset="-122"/>
+              </a:rPr>
+              <a:t>2.Windows、Mac工作环境中要有:</a:t>
+            </a:r>
+          </a:p>
+          <a:p>
+            <a:r>
+              <a:rPr lang="zh-CN" altLang="en-US" sz="2400">
+                <a:latin typeface="华文仿宋" panose="02010600040101010101" charset="-122"/>
+                <a:ea typeface="华文仿宋" panose="02010600040101010101" charset="-122"/>
+                <a:cs typeface="华文仿宋" panose="02010600040101010101" charset="-122"/>
+              </a:rPr>
+              <a:t>①腾讯Tim文档实时编辑平台</a:t>
+            </a:r>
+          </a:p>
+          <a:p>
+            <a:r>
+              <a:rPr lang="zh-CN" altLang="en-US" sz="2400">
+                <a:latin typeface="华文仿宋" panose="02010600040101010101" charset="-122"/>
+                <a:ea typeface="华文仿宋" panose="02010600040101010101" charset="-122"/>
+                <a:cs typeface="华文仿宋" panose="02010600040101010101" charset="-122"/>
+              </a:rPr>
+              <a:t>②PhotoShop设计工具</a:t>
+            </a:r>
+          </a:p>
+          <a:p>
+            <a:r>
+              <a:rPr lang="zh-CN" altLang="en-US" sz="2400">
+                <a:latin typeface="华文仿宋" panose="02010600040101010101" charset="-122"/>
+                <a:ea typeface="华文仿宋" panose="02010600040101010101" charset="-122"/>
+                <a:cs typeface="华文仿宋" panose="02010600040101010101" charset="-122"/>
+              </a:rPr>
+              <a:t>③cocos2dx游戏引擎</a:t>
+            </a:r>
+          </a:p>
+          <a:p>
+            <a:r>
+              <a:rPr lang="zh-CN" altLang="en-US" sz="2400">
+                <a:latin typeface="华文仿宋" panose="02010600040101010101" charset="-122"/>
+                <a:ea typeface="华文仿宋" panose="02010600040101010101" charset="-122"/>
+                <a:cs typeface="华文仿宋" panose="02010600040101010101" charset="-122"/>
+              </a:rPr>
+              <a:t>④eclipse、IntellJ IDEA JAVA代码编辑环境</a:t>
+            </a:r>
+          </a:p>
+          <a:p>
+            <a:r>
+              <a:rPr lang="zh-CN" altLang="en-US" sz="2400">
+                <a:latin typeface="华文仿宋" panose="02010600040101010101" charset="-122"/>
+                <a:ea typeface="华文仿宋" panose="02010600040101010101" charset="-122"/>
+                <a:cs typeface="华文仿宋" panose="02010600040101010101" charset="-122"/>
+              </a:rPr>
+              <a:t>⑤本地数据库mysql与数据库客户端Data Grip	、MySQL Workbanch.</a:t>
+            </a:r>
+          </a:p>
+          <a:p>
+            <a:endParaRPr lang="zh-CN" altLang="en-US" sz="2400">
+              <a:latin typeface="华文仿宋" panose="02010600040101010101" charset="-122"/>
+              <a:ea typeface="华文仿宋" panose="02010600040101010101" charset="-122"/>
+              <a:cs typeface="华文仿宋" panose="02010600040101010101" charset="-122"/>
+            </a:endParaRPr>
+          </a:p>
+          <a:p>
+            <a:r>
+              <a:rPr lang="zh-CN" altLang="en-US" sz="2400">
+                <a:latin typeface="华文仿宋" panose="02010600040101010101" charset="-122"/>
+                <a:ea typeface="华文仿宋" panose="02010600040101010101" charset="-122"/>
+                <a:cs typeface="华文仿宋" panose="02010600040101010101" charset="-122"/>
+              </a:rPr>
+              <a:t>3.Windows 10虚拟机工具使用环境成员统一，应该包含：</a:t>
+            </a:r>
+          </a:p>
+          <a:p>
+            <a:r>
+              <a:rPr lang="zh-CN" altLang="en-US" sz="2400">
+                <a:latin typeface="华文仿宋" panose="02010600040101010101" charset="-122"/>
+                <a:ea typeface="华文仿宋" panose="02010600040101010101" charset="-122"/>
+                <a:cs typeface="华文仿宋" panose="02010600040101010101" charset="-122"/>
+              </a:rPr>
+              <a:t>①Micrsoft office 套件，包括Micrsoft Project。</a:t>
+            </a:r>
+          </a:p>
+          <a:p>
+            <a:r>
+              <a:rPr lang="zh-CN" altLang="en-US" sz="2400">
+                <a:latin typeface="华文仿宋" panose="02010600040101010101" charset="-122"/>
+                <a:ea typeface="华文仿宋" panose="02010600040101010101" charset="-122"/>
+                <a:cs typeface="华文仿宋" panose="02010600040101010101" charset="-122"/>
+              </a:rPr>
+              <a:t>②Git环境</a:t>
+            </a:r>
+          </a:p>
+          <a:p>
+            <a:r>
+              <a:rPr lang="zh-CN" altLang="en-US" sz="2400">
+                <a:latin typeface="华文仿宋" panose="02010600040101010101" charset="-122"/>
+                <a:ea typeface="华文仿宋" panose="02010600040101010101" charset="-122"/>
+                <a:cs typeface="华文仿宋" panose="02010600040101010101" charset="-122"/>
+              </a:rPr>
+              <a:t>③Axure RP</a:t>
+            </a:r>
+          </a:p>
+          <a:p>
+            <a:r>
+              <a:rPr lang="zh-CN" altLang="en-US" sz="2400">
+                <a:latin typeface="华文仿宋" panose="02010600040101010101" charset="-122"/>
+                <a:ea typeface="华文仿宋" panose="02010600040101010101" charset="-122"/>
+                <a:cs typeface="华文仿宋" panose="02010600040101010101" charset="-122"/>
+              </a:rPr>
+              <a:t>④Load runner</a:t>
+            </a:r>
+          </a:p>
+        </p:txBody>
+      </p:sp>
+    </p:spTree>
+  </p:cSld>
+  <p:clrMapOvr>
+    <a:masterClrMapping/>
+  </p:clrMapOvr>
+  <p:transition spd="slow">
+    <p:fade/>
+  </p:transition>
+  <p:timing>
+    <p:tnLst>
+      <p:par>
+        <p:cTn id="1" dur="indefinite" restart="never" nodeType="tmRoot">
+          <p:childTnLst>
+            <p:seq concurrent="1" nextAc="seek">
+              <p:cTn id="2" dur="indefinite" nodeType="mainSeq">
+                <p:childTnLst>
+                  <p:par>
+                    <p:cTn id="3" fill="hold">
+                      <p:stCondLst>
+                        <p:cond delay="indefinite"/>
+                        <p:cond evt="onBegin" delay="0">
+                          <p:tn val="2"/>
+                        </p:cond>
+                      </p:stCondLst>
+                      <p:childTnLst>
+                        <p:par>
+                          <p:cTn id="4" fill="hold">
+                            <p:stCondLst>
+                              <p:cond delay="0"/>
+                            </p:stCondLst>
+                            <p:childTnLst>
+                              <p:par>
+                                <p:cTn id="5" presetID="2" presetClass="entr" presetSubtype="8" decel="53300" fill="hold" grpId="0" nodeType="afterEffect">
+                                  <p:stCondLst>
+                                    <p:cond delay="0"/>
+                                  </p:stCondLst>
+                                  <p:childTnLst>
+                                    <p:set>
+                                      <p:cBhvr>
+                                        <p:cTn id="6" dur="1" fill="hold">
+                                          <p:stCondLst>
+                                            <p:cond delay="0"/>
+                                          </p:stCondLst>
+                                        </p:cTn>
+                                        <p:tgtEl>
+                                          <p:spTgt spid="3"/>
+                                        </p:tgtEl>
+                                        <p:attrNameLst>
+                                          <p:attrName>style.visibility</p:attrName>
+                                        </p:attrNameLst>
+                                      </p:cBhvr>
+                                      <p:to>
+                                        <p:strVal val="visible"/>
+                                      </p:to>
+                                    </p:set>
+                                    <p:anim calcmode="lin" valueType="num">
+                                      <p:cBhvr additive="base">
+                                        <p:cTn id="7" dur="1000" fill="hold"/>
+                                        <p:tgtEl>
+                                          <p:spTgt spid="3"/>
+                                        </p:tgtEl>
+                                        <p:attrNameLst>
+                                          <p:attrName>ppt_x</p:attrName>
+                                        </p:attrNameLst>
+                                      </p:cBhvr>
+                                      <p:tavLst>
+                                        <p:tav tm="0">
+                                          <p:val>
+                                            <p:strVal val="0-#ppt_w/2"/>
+                                          </p:val>
+                                        </p:tav>
+                                        <p:tav tm="100000">
+                                          <p:val>
+                                            <p:strVal val="#ppt_x"/>
+                                          </p:val>
+                                        </p:tav>
+                                      </p:tavLst>
+                                    </p:anim>
+                                    <p:anim calcmode="lin" valueType="num">
+                                      <p:cBhvr additive="base">
+                                        <p:cTn id="8" dur="1000" fill="hold"/>
+                                        <p:tgtEl>
+                                          <p:spTgt spid="3"/>
+                                        </p:tgtEl>
+                                        <p:attrNameLst>
+                                          <p:attrName>ppt_y</p:attrName>
+                                        </p:attrNameLst>
+                                      </p:cBhvr>
+                                      <p:tavLst>
+                                        <p:tav tm="0">
+                                          <p:val>
+                                            <p:strVal val="#ppt_y"/>
+                                          </p:val>
+                                        </p:tav>
+                                        <p:tav tm="100000">
+                                          <p:val>
+                                            <p:strVal val="#ppt_y"/>
+                                          </p:val>
+                                        </p:tav>
+                                      </p:tavLst>
+                                    </p:anim>
+                                  </p:childTnLst>
+                                </p:cTn>
+                              </p:par>
+                              <p:par>
+                                <p:cTn id="9" presetID="2" presetClass="entr" presetSubtype="2" decel="53300" fill="hold" grpId="0" nodeType="withEffect">
+                                  <p:stCondLst>
+                                    <p:cond delay="0"/>
+                                  </p:stCondLst>
+                                  <p:childTnLst>
+                                    <p:set>
+                                      <p:cBhvr>
+                                        <p:cTn id="10" dur="1" fill="hold">
+                                          <p:stCondLst>
+                                            <p:cond delay="0"/>
+                                          </p:stCondLst>
+                                        </p:cTn>
+                                        <p:tgtEl>
+                                          <p:spTgt spid="4"/>
+                                        </p:tgtEl>
+                                        <p:attrNameLst>
+                                          <p:attrName>style.visibility</p:attrName>
+                                        </p:attrNameLst>
+                                      </p:cBhvr>
+                                      <p:to>
+                                        <p:strVal val="visible"/>
+                                      </p:to>
+                                    </p:set>
+                                    <p:anim calcmode="lin" valueType="num">
+                                      <p:cBhvr additive="base">
+                                        <p:cTn id="11" dur="1000" fill="hold"/>
+                                        <p:tgtEl>
+                                          <p:spTgt spid="4"/>
+                                        </p:tgtEl>
+                                        <p:attrNameLst>
+                                          <p:attrName>ppt_x</p:attrName>
+                                        </p:attrNameLst>
+                                      </p:cBhvr>
+                                      <p:tavLst>
+                                        <p:tav tm="0">
+                                          <p:val>
+                                            <p:strVal val="1+#ppt_w/2"/>
+                                          </p:val>
+                                        </p:tav>
+                                        <p:tav tm="100000">
+                                          <p:val>
+                                            <p:strVal val="#ppt_x"/>
+                                          </p:val>
+                                        </p:tav>
+                                      </p:tavLst>
+                                    </p:anim>
+                                    <p:anim calcmode="lin" valueType="num">
+                                      <p:cBhvr additive="base">
+                                        <p:cTn id="12" dur="1000" fill="hold"/>
+                                        <p:tgtEl>
+                                          <p:spTgt spid="4"/>
+                                        </p:tgtEl>
+                                        <p:attrNameLst>
+                                          <p:attrName>ppt_y</p:attrName>
+                                        </p:attrNameLst>
+                                      </p:cBhvr>
+                                      <p:tavLst>
+                                        <p:tav tm="0">
+                                          <p:val>
+                                            <p:strVal val="#ppt_y"/>
+                                          </p:val>
+                                        </p:tav>
+                                        <p:tav tm="100000">
+                                          <p:val>
+                                            <p:strVal val="#ppt_y"/>
+                                          </p:val>
+                                        </p:tav>
+                                      </p:tavLst>
+                                    </p:anim>
+                                  </p:childTnLst>
+                                </p:cTn>
+                              </p:par>
+                            </p:childTnLst>
+                          </p:cTn>
+                        </p:par>
+                        <p:par>
+                          <p:cTn id="13" fill="hold">
+                            <p:stCondLst>
+                              <p:cond delay="1000"/>
+                            </p:stCondLst>
+                            <p:childTnLst>
+                              <p:par>
+                                <p:cTn id="14" presetID="56" presetClass="entr" presetSubtype="0" fill="hold" grpId="0" nodeType="afterEffect">
+                                  <p:stCondLst>
+                                    <p:cond delay="0"/>
+                                  </p:stCondLst>
+                                  <p:iterate type="lt">
+                                    <p:tmPct val="10000"/>
+                                  </p:iterate>
+                                  <p:childTnLst>
+                                    <p:set>
+                                      <p:cBhvr>
+                                        <p:cTn id="15" dur="1" fill="hold">
+                                          <p:stCondLst>
+                                            <p:cond delay="0"/>
+                                          </p:stCondLst>
+                                        </p:cTn>
+                                        <p:tgtEl>
+                                          <p:spTgt spid="5"/>
+                                        </p:tgtEl>
+                                        <p:attrNameLst>
+                                          <p:attrName>style.visibility</p:attrName>
+                                        </p:attrNameLst>
+                                      </p:cBhvr>
+                                      <p:to>
+                                        <p:strVal val="visible"/>
+                                      </p:to>
+                                    </p:set>
+                                    <p:anim by="(-#ppt_w*2)" calcmode="lin" valueType="num">
+                                      <p:cBhvr rctx="PPT">
+                                        <p:cTn id="16" dur="500" autoRev="1" fill="hold">
+                                          <p:stCondLst>
+                                            <p:cond delay="0"/>
+                                          </p:stCondLst>
+                                        </p:cTn>
+                                        <p:tgtEl>
+                                          <p:spTgt spid="5"/>
+                                        </p:tgtEl>
+                                        <p:attrNameLst>
+                                          <p:attrName>ppt_w</p:attrName>
+                                        </p:attrNameLst>
+                                      </p:cBhvr>
+                                    </p:anim>
+                                    <p:anim by="(#ppt_w*0.50)" calcmode="lin" valueType="num">
+                                      <p:cBhvr>
+                                        <p:cTn id="17" dur="500" decel="50000" autoRev="1" fill="hold">
+                                          <p:stCondLst>
+                                            <p:cond delay="0"/>
+                                          </p:stCondLst>
+                                        </p:cTn>
+                                        <p:tgtEl>
+                                          <p:spTgt spid="5"/>
+                                        </p:tgtEl>
+                                        <p:attrNameLst>
+                                          <p:attrName>ppt_x</p:attrName>
+                                        </p:attrNameLst>
+                                      </p:cBhvr>
+                                    </p:anim>
+                                    <p:anim from="(-#ppt_h/2)" to="(#ppt_y)" calcmode="lin" valueType="num">
+                                      <p:cBhvr>
+                                        <p:cTn id="18" dur="1000" fill="hold">
+                                          <p:stCondLst>
+                                            <p:cond delay="0"/>
+                                          </p:stCondLst>
+                                        </p:cTn>
+                                        <p:tgtEl>
+                                          <p:spTgt spid="5"/>
+                                        </p:tgtEl>
+                                        <p:attrNameLst>
+                                          <p:attrName>ppt_y</p:attrName>
+                                        </p:attrNameLst>
+                                      </p:cBhvr>
+                                    </p:anim>
+                                    <p:animRot by="21600000">
+                                      <p:cBhvr>
+                                        <p:cTn id="19" dur="1000" fill="hold">
+                                          <p:stCondLst>
+                                            <p:cond delay="0"/>
+                                          </p:stCondLst>
+                                        </p:cTn>
+                                        <p:tgtEl>
+                                          <p:spTgt spid="5"/>
+                                        </p:tgtEl>
+                                        <p:attrNameLst>
+                                          <p:attrName>r</p:attrName>
+                                        </p:attrNameLst>
+                                      </p:cBhvr>
+                                    </p:animRot>
+                                  </p:childTnLst>
+                                </p:cTn>
+                              </p:par>
+                            </p:childTnLst>
+                          </p:cTn>
+                        </p:par>
+                      </p:childTnLst>
+                    </p:cTn>
+                  </p:par>
+                </p:childTnLst>
+              </p:cTn>
+              <p:prevCondLst>
+                <p:cond evt="onPrev" delay="0">
+                  <p:tgtEl>
+                    <p:sldTgt/>
+                  </p:tgtEl>
+                </p:cond>
+              </p:prevCondLst>
+              <p:nextCondLst>
+                <p:cond evt="onNext" delay="0">
+                  <p:tgtEl>
+                    <p:sldTgt/>
+                  </p:tgtEl>
+                </p:cond>
+              </p:nextCondLst>
+            </p:seq>
+          </p:childTnLst>
+        </p:cTn>
+      </p:par>
+    </p:tnLst>
+    <p:bldLst>
+      <p:bldP spid="3" grpId="0" bldLvl="0" animBg="1"/>
+      <p:bldP spid="4" grpId="0" bldLvl="0" animBg="1"/>
+      <p:bldP spid="5" grpId="0"/>
+    </p:bldLst>
+  </p:timing>
+</p:sld>
+</file>
+
+<file path=ppt/slides/slide21.xml><?xml version="1.0" encoding="utf-8"?>
+<p:sld xmlns:a="http://schemas.openxmlformats.org/drawingml/2006/main" xmlns:r="http://schemas.openxmlformats.org/officeDocument/2006/relationships" xmlns:p="http://schemas.openxmlformats.org/presentationml/2006/main">
+  <p:cSld>
+    <p:spTree>
+      <p:nvGrpSpPr>
+        <p:cNvPr id="1" name=""/>
+        <p:cNvGrpSpPr/>
+        <p:nvPr/>
+      </p:nvGrpSpPr>
+      <p:grpSpPr>
+        <a:xfrm>
+          <a:off x="0" y="0"/>
+          <a:ext cx="0" cy="0"/>
+          <a:chOff x="0" y="0"/>
+          <a:chExt cx="0" cy="0"/>
+        </a:xfrm>
+      </p:grpSpPr>
+      <p:sp>
+        <p:nvSpPr>
+          <p:cNvPr id="3" name="五边形 2"/>
+          <p:cNvSpPr/>
+          <p:nvPr/>
+        </p:nvSpPr>
+        <p:spPr>
+          <a:xfrm>
+            <a:off x="0" y="122238"/>
+            <a:ext cx="10198100" cy="684212"/>
+          </a:xfrm>
+          <a:prstGeom prst="homePlate">
+            <a:avLst>
+              <a:gd name="adj" fmla="val 68103"/>
+            </a:avLst>
+          </a:prstGeom>
+          <a:solidFill>
+            <a:srgbClr val="1D6295"/>
+          </a:solidFill>
+          <a:ln>
+            <a:noFill/>
+          </a:ln>
+        </p:spPr>
+        <p:style>
+          <a:lnRef idx="2">
+            <a:schemeClr val="accent1">
+              <a:shade val="50000"/>
+            </a:schemeClr>
+          </a:lnRef>
+          <a:fillRef idx="1">
+            <a:schemeClr val="accent1"/>
+          </a:fillRef>
+          <a:effectRef idx="0">
+            <a:schemeClr val="accent1"/>
+          </a:effectRef>
+          <a:fontRef idx="minor">
+            <a:schemeClr val="lt1"/>
+          </a:fontRef>
+        </p:style>
+        <p:txBody>
+          <a:bodyPr anchor="ctr"/>
+          <a:lstStyle/>
+          <a:p>
+            <a:pPr algn="ctr" fontAlgn="auto">
+              <a:spcBef>
+                <a:spcPts val="0"/>
+              </a:spcBef>
+              <a:spcAft>
+                <a:spcPts val="0"/>
+              </a:spcAft>
+              <a:defRPr/>
+            </a:pPr>
+            <a:endParaRPr lang="zh-CN" altLang="en-US">
+              <a:solidFill>
+                <a:srgbClr val="FFFFFF"/>
+              </a:solidFill>
+            </a:endParaRPr>
+          </a:p>
+        </p:txBody>
+      </p:sp>
+      <p:sp>
+        <p:nvSpPr>
+          <p:cNvPr id="4" name="五边形 3"/>
+          <p:cNvSpPr/>
+          <p:nvPr/>
+        </p:nvSpPr>
+        <p:spPr>
+          <a:xfrm flipH="1">
+            <a:off x="10198100" y="122238"/>
+            <a:ext cx="1993900" cy="684212"/>
+          </a:xfrm>
+          <a:prstGeom prst="homePlate">
+            <a:avLst>
+              <a:gd name="adj" fmla="val 63925"/>
+            </a:avLst>
+          </a:prstGeom>
+          <a:solidFill>
+            <a:srgbClr val="00B0F0"/>
+          </a:solidFill>
+          <a:ln>
+            <a:noFill/>
+          </a:ln>
+        </p:spPr>
+        <p:style>
+          <a:lnRef idx="2">
+            <a:schemeClr val="accent1">
+              <a:shade val="50000"/>
+            </a:schemeClr>
+          </a:lnRef>
+          <a:fillRef idx="1">
+            <a:schemeClr val="accent1"/>
+          </a:fillRef>
+          <a:effectRef idx="0">
+            <a:schemeClr val="accent1"/>
+          </a:effectRef>
+          <a:fontRef idx="minor">
+            <a:schemeClr val="lt1"/>
+          </a:fontRef>
+        </p:style>
+        <p:txBody>
+          <a:bodyPr anchor="ctr"/>
+          <a:lstStyle/>
+          <a:p>
+            <a:pPr algn="ctr" fontAlgn="auto">
+              <a:spcBef>
+                <a:spcPts val="0"/>
+              </a:spcBef>
+              <a:spcAft>
+                <a:spcPts val="0"/>
+              </a:spcAft>
+              <a:defRPr/>
+            </a:pPr>
+            <a:endParaRPr lang="zh-CN" altLang="en-US">
+              <a:solidFill>
+                <a:srgbClr val="FFFFFF"/>
+              </a:solidFill>
+            </a:endParaRPr>
+          </a:p>
+        </p:txBody>
+      </p:sp>
+      <p:sp>
+        <p:nvSpPr>
+          <p:cNvPr id="5" name="TextBox 48"/>
+          <p:cNvSpPr txBox="1"/>
+          <p:nvPr/>
+        </p:nvSpPr>
+        <p:spPr>
+          <a:xfrm>
+            <a:off x="263525" y="71438"/>
             <a:ext cx="2407920" cy="737235"/>
           </a:xfrm>
           <a:prstGeom prst="rect">
@@ -23105,7 +23788,7 @@
 </p:sld>
 </file>
 
-<file path=ppt/slides/slide21.xml><?xml version="1.0" encoding="utf-8"?>
+<file path=ppt/slides/slide22.xml><?xml version="1.0" encoding="utf-8"?>
 <p:sld xmlns:a="http://schemas.openxmlformats.org/drawingml/2006/main" xmlns:r="http://schemas.openxmlformats.org/officeDocument/2006/relationships" xmlns:p="http://schemas.openxmlformats.org/presentationml/2006/main">
   <p:cSld>
     <p:spTree>
@@ -23625,7 +24308,7 @@
 </p:sld>
 </file>
 
-<file path=ppt/slides/slide22.xml><?xml version="1.0" encoding="utf-8"?>
+<file path=ppt/slides/slide23.xml><?xml version="1.0" encoding="utf-8"?>
 <p:sld xmlns:a="http://schemas.openxmlformats.org/drawingml/2006/main" xmlns:r="http://schemas.openxmlformats.org/officeDocument/2006/relationships" xmlns:p="http://schemas.openxmlformats.org/presentationml/2006/main">
   <p:cSld>
     <p:spTree>
@@ -24698,7 +25381,7 @@
 </p:sld>
 </file>
 
-<file path=ppt/slides/slide23.xml><?xml version="1.0" encoding="utf-8"?>
+<file path=ppt/slides/slide24.xml><?xml version="1.0" encoding="utf-8"?>
 <p:sld xmlns:a="http://schemas.openxmlformats.org/drawingml/2006/main" xmlns:r="http://schemas.openxmlformats.org/officeDocument/2006/relationships" xmlns:p="http://schemas.openxmlformats.org/presentationml/2006/main">
   <p:cSld>
     <p:spTree>

--- a/项目计划(第一次答辩)/SE2018春-G02-项目介绍.pptx
+++ b/项目计划(第一次答辩)/SE2018春-G02-项目介绍.pptx
@@ -27621,7 +27621,7 @@
           <a:lstStyle/>
           <a:p>
             <a:r>
-              <a:rPr altLang="zh-CN" sz="3200">
+              <a:rPr altLang="zh-CN" sz="3200" dirty="0">
                 <a:latin typeface="黑体" panose="02010609060101010101" charset="-122"/>
                 <a:ea typeface="黑体" panose="02010609060101010101" charset="-122"/>
                 <a:cs typeface="黑体" panose="02010609060101010101" charset="-122"/>
@@ -27629,7 +27629,7 @@
               <a:t>项目名称</a:t>
             </a:r>
             <a:r>
-              <a:rPr lang="zh-CN" sz="3200">
+              <a:rPr lang="zh-CN" sz="3200" dirty="0">
                 <a:latin typeface="黑体" panose="02010609060101010101" charset="-122"/>
                 <a:ea typeface="黑体" panose="02010609060101010101" charset="-122"/>
                 <a:cs typeface="黑体" panose="02010609060101010101" charset="-122"/>
@@ -27637,14 +27637,14 @@
               <a:t>：</a:t>
             </a:r>
             <a:r>
-              <a:rPr altLang="zh-CN" sz="3200">
+              <a:rPr altLang="zh-CN" sz="3200" dirty="0">
                 <a:latin typeface="+mn-lt"/>
                 <a:ea typeface="+mn-lt"/>
                 <a:cs typeface="+mn-lt"/>
               </a:rPr>
               <a:t>基于Android平台的沙盒益智类游戏</a:t>
             </a:r>
-            <a:endParaRPr altLang="zh-CN" sz="3200">
+            <a:endParaRPr altLang="zh-CN" sz="3200" dirty="0">
               <a:latin typeface="黑体" panose="02010609060101010101" charset="-122"/>
               <a:ea typeface="黑体" panose="02010609060101010101" charset="-122"/>
               <a:cs typeface="黑体" panose="02010609060101010101" charset="-122"/>
@@ -27652,7 +27652,7 @@
           </a:p>
           <a:p>
             <a:r>
-              <a:rPr altLang="zh-CN" sz="3200">
+              <a:rPr altLang="zh-CN" sz="3200" dirty="0">
                 <a:latin typeface="黑体" panose="02010609060101010101" charset="-122"/>
                 <a:ea typeface="黑体" panose="02010609060101010101" charset="-122"/>
                 <a:cs typeface="黑体" panose="02010609060101010101" charset="-122"/>
@@ -27660,7 +27660,7 @@
               <a:t>行业</a:t>
             </a:r>
             <a:r>
-              <a:rPr lang="zh-CN" sz="3200">
+              <a:rPr lang="zh-CN" sz="3200" dirty="0">
                 <a:latin typeface="黑体" panose="02010609060101010101" charset="-122"/>
                 <a:ea typeface="黑体" panose="02010609060101010101" charset="-122"/>
                 <a:cs typeface="黑体" panose="02010609060101010101" charset="-122"/>
@@ -27668,14 +27668,14 @@
               <a:t>：</a:t>
             </a:r>
             <a:r>
-              <a:rPr altLang="zh-CN" sz="3200">
+              <a:rPr altLang="zh-CN" sz="3200" dirty="0">
                 <a:latin typeface="+mn-lt"/>
                 <a:ea typeface="+mn-lt"/>
                 <a:cs typeface="黑体" panose="02010609060101010101" charset="-122"/>
               </a:rPr>
               <a:t>手机游戏</a:t>
             </a:r>
-            <a:endParaRPr altLang="zh-CN" sz="3200">
+            <a:endParaRPr altLang="zh-CN" sz="3200" dirty="0">
               <a:latin typeface="黑体" panose="02010609060101010101" charset="-122"/>
               <a:ea typeface="黑体" panose="02010609060101010101" charset="-122"/>
               <a:cs typeface="黑体" panose="02010609060101010101" charset="-122"/>
@@ -27683,7 +27683,7 @@
           </a:p>
           <a:p>
             <a:r>
-              <a:rPr altLang="zh-CN" sz="3200">
+              <a:rPr altLang="zh-CN" sz="3200" dirty="0">
                 <a:latin typeface="黑体" panose="02010609060101010101" charset="-122"/>
                 <a:ea typeface="黑体" panose="02010609060101010101" charset="-122"/>
                 <a:cs typeface="黑体" panose="02010609060101010101" charset="-122"/>
@@ -27691,7 +27691,7 @@
               <a:t>架构类型</a:t>
             </a:r>
             <a:r>
-              <a:rPr lang="zh-CN" sz="3200">
+              <a:rPr lang="zh-CN" sz="3200" dirty="0">
                 <a:latin typeface="黑体" panose="02010609060101010101" charset="-122"/>
                 <a:ea typeface="黑体" panose="02010609060101010101" charset="-122"/>
                 <a:cs typeface="黑体" panose="02010609060101010101" charset="-122"/>
@@ -27699,14 +27699,14 @@
               <a:t>：</a:t>
             </a:r>
             <a:r>
-              <a:rPr altLang="zh-CN" sz="3200">
+              <a:rPr altLang="zh-CN" sz="3200" dirty="0">
                 <a:latin typeface="+mn-lt"/>
                 <a:ea typeface="+mn-lt"/>
                 <a:cs typeface="+mn-lt"/>
               </a:rPr>
               <a:t>Android游戏应用</a:t>
             </a:r>
-            <a:endParaRPr altLang="zh-CN" sz="3200">
+            <a:endParaRPr altLang="zh-CN" sz="3200" dirty="0">
               <a:latin typeface="黑体" panose="02010609060101010101" charset="-122"/>
               <a:ea typeface="黑体" panose="02010609060101010101" charset="-122"/>
               <a:cs typeface="黑体" panose="02010609060101010101" charset="-122"/>
@@ -27714,7 +27714,7 @@
           </a:p>
           <a:p>
             <a:r>
-              <a:rPr altLang="zh-CN" sz="3200">
+              <a:rPr altLang="zh-CN" sz="3200" dirty="0">
                 <a:latin typeface="黑体" panose="02010609060101010101" charset="-122"/>
                 <a:ea typeface="黑体" panose="02010609060101010101" charset="-122"/>
                 <a:cs typeface="黑体" panose="02010609060101010101" charset="-122"/>
@@ -27722,7 +27722,7 @@
               <a:t>开发技术</a:t>
             </a:r>
             <a:r>
-              <a:rPr lang="zh-CN" sz="3200">
+              <a:rPr lang="zh-CN" sz="3200" dirty="0">
                 <a:latin typeface="黑体" panose="02010609060101010101" charset="-122"/>
                 <a:ea typeface="黑体" panose="02010609060101010101" charset="-122"/>
                 <a:cs typeface="黑体" panose="02010609060101010101" charset="-122"/>
@@ -27730,14 +27730,38 @@
               <a:t>：</a:t>
             </a:r>
             <a:r>
+              <a:rPr altLang="zh-CN" sz="3200" dirty="0">
+                <a:latin typeface="+mn-lt"/>
+                <a:ea typeface="+mn-lt"/>
+                <a:cs typeface="+mn-lt"/>
+              </a:rPr>
+              <a:t>Cocos2d-x引擎、</a:t>
+            </a:r>
+            <a:r>
               <a:rPr altLang="zh-CN" sz="3200">
                 <a:latin typeface="+mn-lt"/>
                 <a:ea typeface="+mn-lt"/>
                 <a:cs typeface="+mn-lt"/>
               </a:rPr>
-              <a:t>Cocos2d-x引擎、SQL数据库、java、c++、Android SDK</a:t>
+              <a:t>SQL</a:t>
             </a:r>
-            <a:endParaRPr altLang="zh-CN" sz="3200">
+            <a:r>
+              <a:rPr altLang="zh-CN" sz="3200" smtClean="0">
+                <a:latin typeface="+mn-lt"/>
+                <a:ea typeface="+mn-lt"/>
+                <a:cs typeface="+mn-lt"/>
+              </a:rPr>
+              <a:t>数据库、</a:t>
+            </a:r>
+            <a:r>
+              <a:rPr altLang="zh-CN" sz="3200" dirty="0">
+                <a:latin typeface="+mn-lt"/>
+                <a:ea typeface="+mn-lt"/>
+                <a:cs typeface="+mn-lt"/>
+              </a:rPr>
+              <a:t>c++、Android SDK</a:t>
+            </a:r>
+            <a:endParaRPr altLang="zh-CN" sz="3200" dirty="0">
               <a:latin typeface="黑体" panose="02010609060101010101" charset="-122"/>
               <a:ea typeface="黑体" panose="02010609060101010101" charset="-122"/>
               <a:cs typeface="黑体" panose="02010609060101010101" charset="-122"/>
@@ -27745,7 +27769,7 @@
           </a:p>
           <a:p>
             <a:r>
-              <a:rPr altLang="zh-CN" sz="3200">
+              <a:rPr altLang="zh-CN" sz="3200" dirty="0">
                 <a:latin typeface="黑体" panose="02010609060101010101" charset="-122"/>
                 <a:ea typeface="黑体" panose="02010609060101010101" charset="-122"/>
                 <a:cs typeface="黑体" panose="02010609060101010101" charset="-122"/>
@@ -27753,7 +27777,7 @@
               <a:t>规模</a:t>
             </a:r>
             <a:r>
-              <a:rPr lang="zh-CN" sz="3200">
+              <a:rPr lang="zh-CN" sz="3200" dirty="0">
                 <a:latin typeface="黑体" panose="02010609060101010101" charset="-122"/>
                 <a:ea typeface="黑体" panose="02010609060101010101" charset="-122"/>
                 <a:cs typeface="黑体" panose="02010609060101010101" charset="-122"/>
@@ -27761,7 +27785,7 @@
               <a:t>：</a:t>
             </a:r>
             <a:r>
-              <a:rPr altLang="zh-CN" sz="3200">
+              <a:rPr altLang="zh-CN" sz="3200" dirty="0">
                 <a:latin typeface="黑体" panose="02010609060101010101" charset="-122"/>
                 <a:ea typeface="黑体" panose="02010609060101010101" charset="-122"/>
                 <a:cs typeface="黑体" panose="02010609060101010101" charset="-122"/>
@@ -27769,7 +27793,7 @@
               <a:t>系统总体规模：</a:t>
             </a:r>
             <a:r>
-              <a:rPr altLang="zh-CN" sz="3200">
+              <a:rPr altLang="zh-CN" sz="3200" dirty="0">
                 <a:latin typeface="+mn-lt"/>
                 <a:ea typeface="+mn-lt"/>
                 <a:cs typeface="+mn-lt"/>
@@ -28101,7 +28125,7 @@
                         <p:par>
                           <p:cTn id="23" fill="hold">
                             <p:stCondLst>
-                              <p:cond delay="2549"/>
+                              <p:cond delay="3549"/>
                             </p:stCondLst>
                             <p:childTnLst>
                               <p:par>
